--- a/resources/keyview_filter/demo_EMBEDDED_DOCS+HIDDEN_TEXT.pptx
+++ b/resources/keyview_filter/demo_EMBEDDED_DOCS+HIDDEN_TEXT.pptx
@@ -257,41 +257,6 @@
 </pc:chgInfo>
 </file>
 
-<file path=ppt/comments/modernComment_100_78DDC48A.xml><?xml version="1.0" encoding="utf-8"?>
-<p188:cmLst xmlns:a="http://schemas.openxmlformats.org/drawingml/2006/main" xmlns:r="http://schemas.openxmlformats.org/officeDocument/2006/relationships" xmlns:p188="http://schemas.microsoft.com/office/powerpoint/2018/8/main">
-  <p188:cm id="{C0EDE9D2-1641-42ED-BA23-8B745B35E026}" authorId="{BD0F1EB7-318E-3721-C634-19D4A8A2FDF2}" created="2022-07-14T19:36:24.484">
-    <pc:sldMkLst xmlns:pc="http://schemas.microsoft.com/office/powerpoint/2013/main/command">
-      <pc:docMk/>
-      <pc:sldMk cId="2027799690" sldId="256"/>
-    </pc:sldMkLst>
-    <p188:replyLst>
-      <p188:reply id="{F504919A-5A67-4796-960D-6733196091C3}" authorId="{BD0F1EB7-318E-3721-C634-19D4A8A2FDF2}" created="2022-07-14T19:36:31.036">
-        <p188:txBody>
-          <a:bodyPr/>
-          <a:lstStyle/>
-          <a:p>
-            <a:r>
-              <a:rPr lang="en-US"/>
-              <a:t>Replying to the comment</a:t>
-            </a:r>
-          </a:p>
-        </p188:txBody>
-      </p188:reply>
-    </p188:replyLst>
-    <p188:txBody>
-      <a:bodyPr/>
-      <a:lstStyle/>
-      <a:p>
-        <a:r>
-          <a:rPr lang="en-US"/>
-          <a:t>This is a comment</a:t>
-        </a:r>
-      </a:p>
-    </p188:txBody>
-  </p188:cm>
-</p188:cmLst>
-</file>
-
 <file path=ppt/handoutMasters/handoutMaster1.xml><?xml version="1.0" encoding="utf-8"?>
 <p:handoutMaster xmlns:a="http://schemas.openxmlformats.org/drawingml/2006/main" xmlns:r="http://schemas.openxmlformats.org/officeDocument/2006/relationships" xmlns:p="http://schemas.openxmlformats.org/presentationml/2006/main">
   <p:cSld>
@@ -389,7 +354,7 @@
           <a:p>
             <a:fld id="{941EA2EE-1B9C-423D-9C2D-3F5D27CA99B0}" type="datetimeFigureOut">
               <a:rPr lang="en-US" smtClean="0"/>
-              <a:t>7/18/2022</a:t>
+              <a:t>7/29/2022</a:t>
             </a:fld>
             <a:endParaRPr lang="en-US"/>
           </a:p>
@@ -573,7 +538,7 @@
           <a:p>
             <a:fld id="{2D185CF6-074D-43FF-BD2E-C041CAC7DD68}" type="datetimeFigureOut">
               <a:rPr lang="en-US" smtClean="0"/>
-              <a:t>7/18/2022</a:t>
+              <a:t>7/29/2022</a:t>
             </a:fld>
             <a:endParaRPr lang="en-US"/>
           </a:p>
@@ -991,7 +956,7 @@
           <a:p>
             <a:fld id="{2C4F0CFA-1374-40C0-9E70-28473CB70BFE}" type="datetime1">
               <a:rPr lang="en-US" smtClean="0"/>
-              <a:t>7/18/2022</a:t>
+              <a:t>7/29/2022</a:t>
             </a:fld>
             <a:endParaRPr lang="en-US"/>
           </a:p>
@@ -1192,7 +1157,7 @@
           <a:p>
             <a:fld id="{6C00546C-7841-41DA-B057-1EFDDD04BD84}" type="datetime1">
               <a:rPr lang="en-US" smtClean="0"/>
-              <a:t>7/18/2022</a:t>
+              <a:t>7/29/2022</a:t>
             </a:fld>
             <a:endParaRPr lang="en-US"/>
           </a:p>
@@ -1403,7 +1368,7 @@
           <a:p>
             <a:fld id="{4E2AD545-34E5-48CB-8749-7B166A202A51}" type="datetime1">
               <a:rPr lang="en-US" smtClean="0"/>
-              <a:t>7/18/2022</a:t>
+              <a:t>7/29/2022</a:t>
             </a:fld>
             <a:endParaRPr lang="en-US"/>
           </a:p>
@@ -1604,7 +1569,7 @@
           <a:p>
             <a:fld id="{3F588FB5-E103-442E-9161-ABD5E3F33253}" type="datetime1">
               <a:rPr lang="en-US" smtClean="0"/>
-              <a:t>7/18/2022</a:t>
+              <a:t>7/29/2022</a:t>
             </a:fld>
             <a:endParaRPr lang="en-US"/>
           </a:p>
@@ -1882,7 +1847,7 @@
           <a:p>
             <a:fld id="{5F2B0493-B91E-4393-B77E-D4AF6A5DD095}" type="datetime1">
               <a:rPr lang="en-US" smtClean="0"/>
-              <a:t>7/18/2022</a:t>
+              <a:t>7/29/2022</a:t>
             </a:fld>
             <a:endParaRPr lang="en-US"/>
           </a:p>
@@ -2150,7 +2115,7 @@
           <a:p>
             <a:fld id="{D4D5D4A3-AF7F-4BE7-8AA2-4DD482B76FB3}" type="datetime1">
               <a:rPr lang="en-US" smtClean="0"/>
-              <a:t>7/18/2022</a:t>
+              <a:t>7/29/2022</a:t>
             </a:fld>
             <a:endParaRPr lang="en-US"/>
           </a:p>
@@ -2565,7 +2530,7 @@
           <a:p>
             <a:fld id="{61637585-35DB-42EE-A760-015D916FD519}" type="datetime1">
               <a:rPr lang="en-US" smtClean="0"/>
-              <a:t>7/18/2022</a:t>
+              <a:t>7/29/2022</a:t>
             </a:fld>
             <a:endParaRPr lang="en-US"/>
           </a:p>
@@ -2709,7 +2674,7 @@
           <a:p>
             <a:fld id="{195FB4F5-CE89-4C4B-AE39-FFA31EBADA61}" type="datetime1">
               <a:rPr lang="en-US" smtClean="0"/>
-              <a:t>7/18/2022</a:t>
+              <a:t>7/29/2022</a:t>
             </a:fld>
             <a:endParaRPr lang="en-US"/>
           </a:p>
@@ -2825,7 +2790,7 @@
           <a:p>
             <a:fld id="{1F109C31-ECDF-48E2-8901-7DBC2CB59639}" type="datetime1">
               <a:rPr lang="en-US" smtClean="0"/>
-              <a:t>7/18/2022</a:t>
+              <a:t>7/29/2022</a:t>
             </a:fld>
             <a:endParaRPr lang="en-US"/>
           </a:p>
@@ -3139,7 +3104,7 @@
           <a:p>
             <a:fld id="{218C2ACC-0094-48B2-9771-3412C0B07139}" type="datetime1">
               <a:rPr lang="en-US" smtClean="0"/>
-              <a:t>7/18/2022</a:t>
+              <a:t>7/29/2022</a:t>
             </a:fld>
             <a:endParaRPr lang="en-US"/>
           </a:p>
@@ -3430,7 +3395,7 @@
           <a:p>
             <a:fld id="{DFB6DE24-66D4-45C0-BD0B-1D87FE7B37E3}" type="datetime1">
               <a:rPr lang="en-US" smtClean="0"/>
-              <a:t>7/18/2022</a:t>
+              <a:t>7/29/2022</a:t>
             </a:fld>
             <a:endParaRPr lang="en-US"/>
           </a:p>
@@ -3674,7 +3639,7 @@
           <a:p>
             <a:fld id="{67E01CEA-1665-418C-8C69-CBED952C605F}" type="datetime1">
               <a:rPr lang="en-US" smtClean="0"/>
-              <a:t>7/18/2022</a:t>
+              <a:t>7/29/2022</a:t>
             </a:fld>
             <a:endParaRPr lang="en-US"/>
           </a:p>
@@ -4158,11 +4123,6 @@
   <p:clrMapOvr>
     <a:masterClrMapping/>
   </p:clrMapOvr>
-  <p:extLst>
-    <p:ext uri="{6950BFC3-D8DA-4A85-94F7-54DA5524770B}">
-      <p188:commentRel xmlns:p188="http://schemas.microsoft.com/office/powerpoint/2018/8/main" r:id="rId2"/>
-    </p:ext>
-  </p:extLst>
 </p:sld>
 </file>
 
@@ -4280,12 +4240,168 @@
           </a:graphicData>
         </a:graphic>
       </p:graphicFrame>
+      <p:sp>
+        <p:nvSpPr>
+          <p:cNvPr id="7" name="Date Placeholder 6">
+            <a:extLst>
+              <a:ext uri="{FF2B5EF4-FFF2-40B4-BE49-F238E27FC236}">
+                <a16:creationId xmlns:a16="http://schemas.microsoft.com/office/drawing/2014/main" id="{492B4B6A-24D9-A4F6-6620-EDA8476D99C6}"/>
+              </a:ext>
+            </a:extLst>
+          </p:cNvPr>
+          <p:cNvSpPr>
+            <a:spLocks noGrp="1"/>
+          </p:cNvSpPr>
+          <p:nvPr>
+            <p:ph type="dt" sz="half" idx="10"/>
+          </p:nvPr>
+        </p:nvSpPr>
+        <p:spPr/>
+        <p:txBody>
+          <a:bodyPr/>
+          <a:lstStyle/>
+          <a:p>
+            <a:fld id="{8CB267DE-E348-4913-9D12-EDB2B30575C6}" type="datetime1">
+              <a:rPr lang="en-US" smtClean="0"/>
+              <a:t>7/29/2022</a:t>
+            </a:fld>
+            <a:endParaRPr lang="en-US"/>
+          </a:p>
+        </p:txBody>
+      </p:sp>
+      <p:sp>
+        <p:nvSpPr>
+          <p:cNvPr id="8" name="Footer Placeholder 7">
+            <a:extLst>
+              <a:ext uri="{FF2B5EF4-FFF2-40B4-BE49-F238E27FC236}">
+                <a16:creationId xmlns:a16="http://schemas.microsoft.com/office/drawing/2014/main" id="{79457222-6590-0D3A-C5AC-E0C3B0FE6A58}"/>
+              </a:ext>
+            </a:extLst>
+          </p:cNvPr>
+          <p:cNvSpPr>
+            <a:spLocks noGrp="1"/>
+          </p:cNvSpPr>
+          <p:nvPr>
+            <p:ph type="ftr" sz="quarter" idx="11"/>
+          </p:nvPr>
+        </p:nvSpPr>
+        <p:spPr/>
+        <p:txBody>
+          <a:bodyPr/>
+          <a:lstStyle/>
+          <a:p>
+            <a:r>
+              <a:rPr lang="en-US"/>
+              <a:t>My footer</a:t>
+            </a:r>
+          </a:p>
+        </p:txBody>
+      </p:sp>
+      <p:sp>
+        <p:nvSpPr>
+          <p:cNvPr id="9" name="Slide Number Placeholder 8">
+            <a:extLst>
+              <a:ext uri="{FF2B5EF4-FFF2-40B4-BE49-F238E27FC236}">
+                <a16:creationId xmlns:a16="http://schemas.microsoft.com/office/drawing/2014/main" id="{6433231D-BB1E-3BD2-CC33-7B0961EC9749}"/>
+              </a:ext>
+            </a:extLst>
+          </p:cNvPr>
+          <p:cNvSpPr>
+            <a:spLocks noGrp="1"/>
+          </p:cNvSpPr>
+          <p:nvPr>
+            <p:ph type="sldNum" sz="quarter" idx="12"/>
+          </p:nvPr>
+        </p:nvSpPr>
+        <p:spPr/>
+        <p:txBody>
+          <a:bodyPr/>
+          <a:lstStyle/>
+          <a:p>
+            <a:fld id="{9687440D-ED7D-4C59-8E60-A1FC742FAB41}" type="slidenum">
+              <a:rPr lang="en-US" smtClean="0"/>
+              <a:t>2</a:t>
+            </a:fld>
+            <a:endParaRPr lang="en-US"/>
+          </a:p>
+        </p:txBody>
+      </p:sp>
+      <p:sp>
+        <p:nvSpPr>
+          <p:cNvPr id="11" name="TextBox 10">
+            <a:extLst>
+              <a:ext uri="{FF2B5EF4-FFF2-40B4-BE49-F238E27FC236}">
+                <a16:creationId xmlns:a16="http://schemas.microsoft.com/office/drawing/2014/main" id="{7F1FA43E-138A-5B47-7F98-8DDA0D5EC535}"/>
+              </a:ext>
+            </a:extLst>
+          </p:cNvPr>
+          <p:cNvSpPr txBox="1"/>
+          <p:nvPr/>
+        </p:nvSpPr>
+        <p:spPr>
+          <a:xfrm>
+            <a:off x="2209800" y="2098302"/>
+            <a:ext cx="3764812" cy="369332"/>
+          </a:xfrm>
+          <a:prstGeom prst="rect">
+            <a:avLst/>
+          </a:prstGeom>
+          <a:noFill/>
+        </p:spPr>
+        <p:txBody>
+          <a:bodyPr wrap="square">
+            <a:spAutoFit/>
+          </a:bodyPr>
+          <a:lstStyle/>
+          <a:p>
+            <a:r>
+              <a:rPr lang="en-US" dirty="0"/>
+              <a:t>2022_calendar_HIDDEN_TEXT.docx</a:t>
+            </a:r>
+          </a:p>
+        </p:txBody>
+      </p:sp>
+      <p:sp>
+        <p:nvSpPr>
+          <p:cNvPr id="13" name="TextBox 12" descr="Simple meal planner1.xlsx">
+            <a:extLst>
+              <a:ext uri="{FF2B5EF4-FFF2-40B4-BE49-F238E27FC236}">
+                <a16:creationId xmlns:a16="http://schemas.microsoft.com/office/drawing/2014/main" id="{DD5E1675-2F9B-8531-5A25-9A443C596D2E}"/>
+              </a:ext>
+            </a:extLst>
+          </p:cNvPr>
+          <p:cNvSpPr txBox="1"/>
+          <p:nvPr/>
+        </p:nvSpPr>
+        <p:spPr>
+          <a:xfrm>
+            <a:off x="2209800" y="3428057"/>
+            <a:ext cx="6097772" cy="369332"/>
+          </a:xfrm>
+          <a:prstGeom prst="rect">
+            <a:avLst/>
+          </a:prstGeom>
+          <a:noFill/>
+        </p:spPr>
+        <p:txBody>
+          <a:bodyPr wrap="square">
+            <a:spAutoFit/>
+          </a:bodyPr>
+          <a:lstStyle/>
+          <a:p>
+            <a:r>
+              <a:rPr lang="en-US" dirty="0"/>
+              <a:t>Simple meal planner1.xlsx</a:t>
+            </a:r>
+          </a:p>
+        </p:txBody>
+      </p:sp>
       <p:graphicFrame>
         <p:nvGraphicFramePr>
-          <p:cNvPr id="6" name="Object 5">
-            <a:extLst>
-              <a:ext uri="{FF2B5EF4-FFF2-40B4-BE49-F238E27FC236}">
-                <a16:creationId xmlns:a16="http://schemas.microsoft.com/office/drawing/2014/main" id="{F4456394-534A-BF24-B0DE-325C941F6755}"/>
+          <p:cNvPr id="3" name="Object 2">
+            <a:extLst>
+              <a:ext uri="{FF2B5EF4-FFF2-40B4-BE49-F238E27FC236}">
+                <a16:creationId xmlns:a16="http://schemas.microsoft.com/office/drawing/2014/main" id="{F8FA1431-9D3F-C161-166F-35F2EE91D9E6}"/>
               </a:ext>
             </a:extLst>
           </p:cNvPr>
@@ -4295,13 +4411,13 @@
           <p:nvPr>
             <p:extLst>
               <p:ext uri="{D42A27DB-BD31-4B8C-83A1-F6EECF244321}">
-                <p14:modId xmlns:p14="http://schemas.microsoft.com/office/powerpoint/2010/main" val="366133860"/>
+                <p14:modId xmlns:p14="http://schemas.microsoft.com/office/powerpoint/2010/main" val="2415557400"/>
               </p:ext>
             </p:extLst>
           </p:nvPr>
         </p:nvGraphicFramePr>
         <p:xfrm>
-          <a:off x="1048976" y="3231355"/>
+          <a:off x="1061432" y="3223748"/>
           <a:ext cx="914400" cy="792163"/>
         </p:xfrm>
         <a:graphic>
@@ -4317,13 +4433,7 @@
                   <p:embed/>
                   <p:pic>
                     <p:nvPicPr>
-                      <p:cNvPr id="6" name="Object 5">
-                        <a:extLst>
-                          <a:ext uri="{FF2B5EF4-FFF2-40B4-BE49-F238E27FC236}">
-                            <a16:creationId xmlns:a16="http://schemas.microsoft.com/office/drawing/2014/main" id="{F4456394-534A-BF24-B0DE-325C941F6755}"/>
-                          </a:ext>
-                        </a:extLst>
-                      </p:cNvPr>
+                      <p:cNvPr id="0" name=""/>
                       <p:cNvPicPr/>
                       <p:nvPr/>
                     </p:nvPicPr>
@@ -4335,7 +4445,7 @@
                     </p:blipFill>
                     <p:spPr>
                       <a:xfrm>
-                        <a:off x="1048976" y="3231355"/>
+                        <a:off x="1061432" y="3223748"/>
                         <a:ext cx="914400" cy="792163"/>
                       </a:xfrm>
                       <a:prstGeom prst="rect">
@@ -4349,162 +4459,6 @@
           </a:graphicData>
         </a:graphic>
       </p:graphicFrame>
-      <p:sp>
-        <p:nvSpPr>
-          <p:cNvPr id="7" name="Date Placeholder 6">
-            <a:extLst>
-              <a:ext uri="{FF2B5EF4-FFF2-40B4-BE49-F238E27FC236}">
-                <a16:creationId xmlns:a16="http://schemas.microsoft.com/office/drawing/2014/main" id="{492B4B6A-24D9-A4F6-6620-EDA8476D99C6}"/>
-              </a:ext>
-            </a:extLst>
-          </p:cNvPr>
-          <p:cNvSpPr>
-            <a:spLocks noGrp="1"/>
-          </p:cNvSpPr>
-          <p:nvPr>
-            <p:ph type="dt" sz="half" idx="10"/>
-          </p:nvPr>
-        </p:nvSpPr>
-        <p:spPr/>
-        <p:txBody>
-          <a:bodyPr/>
-          <a:lstStyle/>
-          <a:p>
-            <a:fld id="{8CB267DE-E348-4913-9D12-EDB2B30575C6}" type="datetime1">
-              <a:rPr lang="en-US" smtClean="0"/>
-              <a:t>7/18/2022</a:t>
-            </a:fld>
-            <a:endParaRPr lang="en-US"/>
-          </a:p>
-        </p:txBody>
-      </p:sp>
-      <p:sp>
-        <p:nvSpPr>
-          <p:cNvPr id="8" name="Footer Placeholder 7">
-            <a:extLst>
-              <a:ext uri="{FF2B5EF4-FFF2-40B4-BE49-F238E27FC236}">
-                <a16:creationId xmlns:a16="http://schemas.microsoft.com/office/drawing/2014/main" id="{79457222-6590-0D3A-C5AC-E0C3B0FE6A58}"/>
-              </a:ext>
-            </a:extLst>
-          </p:cNvPr>
-          <p:cNvSpPr>
-            <a:spLocks noGrp="1"/>
-          </p:cNvSpPr>
-          <p:nvPr>
-            <p:ph type="ftr" sz="quarter" idx="11"/>
-          </p:nvPr>
-        </p:nvSpPr>
-        <p:spPr/>
-        <p:txBody>
-          <a:bodyPr/>
-          <a:lstStyle/>
-          <a:p>
-            <a:r>
-              <a:rPr lang="en-US"/>
-              <a:t>My footer</a:t>
-            </a:r>
-          </a:p>
-        </p:txBody>
-      </p:sp>
-      <p:sp>
-        <p:nvSpPr>
-          <p:cNvPr id="9" name="Slide Number Placeholder 8">
-            <a:extLst>
-              <a:ext uri="{FF2B5EF4-FFF2-40B4-BE49-F238E27FC236}">
-                <a16:creationId xmlns:a16="http://schemas.microsoft.com/office/drawing/2014/main" id="{6433231D-BB1E-3BD2-CC33-7B0961EC9749}"/>
-              </a:ext>
-            </a:extLst>
-          </p:cNvPr>
-          <p:cNvSpPr>
-            <a:spLocks noGrp="1"/>
-          </p:cNvSpPr>
-          <p:nvPr>
-            <p:ph type="sldNum" sz="quarter" idx="12"/>
-          </p:nvPr>
-        </p:nvSpPr>
-        <p:spPr/>
-        <p:txBody>
-          <a:bodyPr/>
-          <a:lstStyle/>
-          <a:p>
-            <a:fld id="{9687440D-ED7D-4C59-8E60-A1FC742FAB41}" type="slidenum">
-              <a:rPr lang="en-US" smtClean="0"/>
-              <a:t>2</a:t>
-            </a:fld>
-            <a:endParaRPr lang="en-US"/>
-          </a:p>
-        </p:txBody>
-      </p:sp>
-      <p:sp>
-        <p:nvSpPr>
-          <p:cNvPr id="11" name="TextBox 10">
-            <a:extLst>
-              <a:ext uri="{FF2B5EF4-FFF2-40B4-BE49-F238E27FC236}">
-                <a16:creationId xmlns:a16="http://schemas.microsoft.com/office/drawing/2014/main" id="{7F1FA43E-138A-5B47-7F98-8DDA0D5EC535}"/>
-              </a:ext>
-            </a:extLst>
-          </p:cNvPr>
-          <p:cNvSpPr txBox="1"/>
-          <p:nvPr/>
-        </p:nvSpPr>
-        <p:spPr>
-          <a:xfrm>
-            <a:off x="2209800" y="2098302"/>
-            <a:ext cx="3764812" cy="369332"/>
-          </a:xfrm>
-          <a:prstGeom prst="rect">
-            <a:avLst/>
-          </a:prstGeom>
-          <a:noFill/>
-        </p:spPr>
-        <p:txBody>
-          <a:bodyPr wrap="square">
-            <a:spAutoFit/>
-          </a:bodyPr>
-          <a:lstStyle/>
-          <a:p>
-            <a:r>
-              <a:rPr lang="en-US" dirty="0"/>
-              <a:t>2022_calendar_HIDDEN_TEXT.docx</a:t>
-            </a:r>
-          </a:p>
-        </p:txBody>
-      </p:sp>
-      <p:sp>
-        <p:nvSpPr>
-          <p:cNvPr id="13" name="TextBox 12" descr="Simple meal planner1.xlsx">
-            <a:extLst>
-              <a:ext uri="{FF2B5EF4-FFF2-40B4-BE49-F238E27FC236}">
-                <a16:creationId xmlns:a16="http://schemas.microsoft.com/office/drawing/2014/main" id="{DD5E1675-2F9B-8531-5A25-9A443C596D2E}"/>
-              </a:ext>
-            </a:extLst>
-          </p:cNvPr>
-          <p:cNvSpPr txBox="1"/>
-          <p:nvPr/>
-        </p:nvSpPr>
-        <p:spPr>
-          <a:xfrm>
-            <a:off x="2209800" y="3428057"/>
-            <a:ext cx="6097772" cy="369332"/>
-          </a:xfrm>
-          <a:prstGeom prst="rect">
-            <a:avLst/>
-          </a:prstGeom>
-          <a:noFill/>
-        </p:spPr>
-        <p:txBody>
-          <a:bodyPr wrap="square">
-            <a:spAutoFit/>
-          </a:bodyPr>
-          <a:lstStyle/>
-          <a:p>
-            <a:r>
-              <a:rPr lang="en-US" dirty="0"/>
-              <a:t>Simple meal planner1.xlsx</a:t>
-            </a:r>
-          </a:p>
-        </p:txBody>
-      </p:sp>
     </p:spTree>
     <p:extLst>
       <p:ext uri="{BB962C8B-B14F-4D97-AF65-F5344CB8AC3E}">

--- a/resources/keyview_filter/demo_EMBEDDED_DOCS+HIDDEN_TEXT.pptx
+++ b/resources/keyview_filter/demo_EMBEDDED_DOCS+HIDDEN_TEXT.pptx
@@ -354,7 +354,7 @@
           <a:p>
             <a:fld id="{941EA2EE-1B9C-423D-9C2D-3F5D27CA99B0}" type="datetimeFigureOut">
               <a:rPr lang="en-US" smtClean="0"/>
-              <a:t>7/29/2022</a:t>
+              <a:t>5/9/2023</a:t>
             </a:fld>
             <a:endParaRPr lang="en-US"/>
           </a:p>
@@ -538,7 +538,7 @@
           <a:p>
             <a:fld id="{2D185CF6-074D-43FF-BD2E-C041CAC7DD68}" type="datetimeFigureOut">
               <a:rPr lang="en-US" smtClean="0"/>
-              <a:t>7/29/2022</a:t>
+              <a:t>5/9/2023</a:t>
             </a:fld>
             <a:endParaRPr lang="en-US"/>
           </a:p>
@@ -809,6 +809,141 @@
 </p:notesMaster>
 </file>
 
+<file path=ppt/notesSlides/notesSlide1.xml><?xml version="1.0" encoding="utf-8"?>
+<p:notes xmlns:a="http://schemas.openxmlformats.org/drawingml/2006/main" xmlns:r="http://schemas.openxmlformats.org/officeDocument/2006/relationships" xmlns:p="http://schemas.openxmlformats.org/presentationml/2006/main">
+  <p:cSld>
+    <p:spTree>
+      <p:nvGrpSpPr>
+        <p:cNvPr id="1" name=""/>
+        <p:cNvGrpSpPr/>
+        <p:nvPr/>
+      </p:nvGrpSpPr>
+      <p:grpSpPr>
+        <a:xfrm>
+          <a:off x="0" y="0"/>
+          <a:ext cx="0" cy="0"/>
+          <a:chOff x="0" y="0"/>
+          <a:chExt cx="0" cy="0"/>
+        </a:xfrm>
+      </p:grpSpPr>
+      <p:sp>
+        <p:nvSpPr>
+          <p:cNvPr id="2" name="Slide Image Placeholder 1"/>
+          <p:cNvSpPr>
+            <a:spLocks noGrp="1" noRot="1" noChangeAspect="1"/>
+          </p:cNvSpPr>
+          <p:nvPr>
+            <p:ph type="sldImg"/>
+          </p:nvPr>
+        </p:nvSpPr>
+        <p:spPr/>
+      </p:sp>
+      <p:sp>
+        <p:nvSpPr>
+          <p:cNvPr id="3" name="Notes Placeholder 2"/>
+          <p:cNvSpPr>
+            <a:spLocks noGrp="1"/>
+          </p:cNvSpPr>
+          <p:nvPr>
+            <p:ph type="body" idx="1"/>
+          </p:nvPr>
+        </p:nvSpPr>
+        <p:spPr/>
+        <p:txBody>
+          <a:bodyPr/>
+          <a:lstStyle/>
+          <a:p>
+            <a:r>
+              <a:rPr lang="en-US" dirty="0"/>
+              <a:t>I’m </a:t>
+            </a:r>
+            <a:r>
+              <a:rPr lang="en-US"/>
+              <a:t>a slide note</a:t>
+            </a:r>
+          </a:p>
+        </p:txBody>
+      </p:sp>
+      <p:sp>
+        <p:nvSpPr>
+          <p:cNvPr id="4" name="Header Placeholder 3"/>
+          <p:cNvSpPr>
+            <a:spLocks noGrp="1"/>
+          </p:cNvSpPr>
+          <p:nvPr>
+            <p:ph type="hdr" sz="quarter"/>
+          </p:nvPr>
+        </p:nvSpPr>
+        <p:spPr/>
+        <p:txBody>
+          <a:bodyPr/>
+          <a:lstStyle/>
+          <a:p>
+            <a:r>
+              <a:rPr lang="en-US"/>
+              <a:t>My header</a:t>
+            </a:r>
+          </a:p>
+        </p:txBody>
+      </p:sp>
+      <p:sp>
+        <p:nvSpPr>
+          <p:cNvPr id="5" name="Footer Placeholder 4"/>
+          <p:cNvSpPr>
+            <a:spLocks noGrp="1"/>
+          </p:cNvSpPr>
+          <p:nvPr>
+            <p:ph type="ftr" sz="quarter" idx="4"/>
+          </p:nvPr>
+        </p:nvSpPr>
+        <p:spPr/>
+        <p:txBody>
+          <a:bodyPr/>
+          <a:lstStyle/>
+          <a:p>
+            <a:r>
+              <a:rPr lang="en-US"/>
+              <a:t>My footer</a:t>
+            </a:r>
+          </a:p>
+        </p:txBody>
+      </p:sp>
+      <p:sp>
+        <p:nvSpPr>
+          <p:cNvPr id="6" name="Slide Number Placeholder 5"/>
+          <p:cNvSpPr>
+            <a:spLocks noGrp="1"/>
+          </p:cNvSpPr>
+          <p:nvPr>
+            <p:ph type="sldNum" sz="quarter" idx="5"/>
+          </p:nvPr>
+        </p:nvSpPr>
+        <p:spPr/>
+        <p:txBody>
+          <a:bodyPr/>
+          <a:lstStyle/>
+          <a:p>
+            <a:fld id="{19CDB11F-A78D-4AA2-97EE-D54AB5E0EC8E}" type="slidenum">
+              <a:rPr lang="en-US" smtClean="0"/>
+              <a:t>1</a:t>
+            </a:fld>
+            <a:endParaRPr lang="en-US"/>
+          </a:p>
+        </p:txBody>
+      </p:sp>
+    </p:spTree>
+    <p:extLst>
+      <p:ext uri="{BB962C8B-B14F-4D97-AF65-F5344CB8AC3E}">
+        <p14:creationId xmlns:p14="http://schemas.microsoft.com/office/powerpoint/2010/main" val="1611510412"/>
+      </p:ext>
+    </p:extLst>
+  </p:cSld>
+  <p:clrMapOvr>
+    <a:masterClrMapping/>
+  </p:clrMapOvr>
+</p:notes>
+</file>
+
 <file path=ppt/slideLayouts/slideLayout1.xml><?xml version="1.0" encoding="utf-8"?>
 <p:sldLayout xmlns:a="http://schemas.openxmlformats.org/drawingml/2006/main" xmlns:r="http://schemas.openxmlformats.org/officeDocument/2006/relationships" xmlns:p="http://schemas.openxmlformats.org/presentationml/2006/main" type="title" preserve="1">
   <p:cSld name="Title Slide">
@@ -956,7 +1091,7 @@
           <a:p>
             <a:fld id="{2C4F0CFA-1374-40C0-9E70-28473CB70BFE}" type="datetime1">
               <a:rPr lang="en-US" smtClean="0"/>
-              <a:t>7/29/2022</a:t>
+              <a:t>5/9/2023</a:t>
             </a:fld>
             <a:endParaRPr lang="en-US"/>
           </a:p>
@@ -1157,7 +1292,7 @@
           <a:p>
             <a:fld id="{6C00546C-7841-41DA-B057-1EFDDD04BD84}" type="datetime1">
               <a:rPr lang="en-US" smtClean="0"/>
-              <a:t>7/29/2022</a:t>
+              <a:t>5/9/2023</a:t>
             </a:fld>
             <a:endParaRPr lang="en-US"/>
           </a:p>
@@ -1368,7 +1503,7 @@
           <a:p>
             <a:fld id="{4E2AD545-34E5-48CB-8749-7B166A202A51}" type="datetime1">
               <a:rPr lang="en-US" smtClean="0"/>
-              <a:t>7/29/2022</a:t>
+              <a:t>5/9/2023</a:t>
             </a:fld>
             <a:endParaRPr lang="en-US"/>
           </a:p>
@@ -1569,7 +1704,7 @@
           <a:p>
             <a:fld id="{3F588FB5-E103-442E-9161-ABD5E3F33253}" type="datetime1">
               <a:rPr lang="en-US" smtClean="0"/>
-              <a:t>7/29/2022</a:t>
+              <a:t>5/9/2023</a:t>
             </a:fld>
             <a:endParaRPr lang="en-US"/>
           </a:p>
@@ -1847,7 +1982,7 @@
           <a:p>
             <a:fld id="{5F2B0493-B91E-4393-B77E-D4AF6A5DD095}" type="datetime1">
               <a:rPr lang="en-US" smtClean="0"/>
-              <a:t>7/29/2022</a:t>
+              <a:t>5/9/2023</a:t>
             </a:fld>
             <a:endParaRPr lang="en-US"/>
           </a:p>
@@ -2115,7 +2250,7 @@
           <a:p>
             <a:fld id="{D4D5D4A3-AF7F-4BE7-8AA2-4DD482B76FB3}" type="datetime1">
               <a:rPr lang="en-US" smtClean="0"/>
-              <a:t>7/29/2022</a:t>
+              <a:t>5/9/2023</a:t>
             </a:fld>
             <a:endParaRPr lang="en-US"/>
           </a:p>
@@ -2530,7 +2665,7 @@
           <a:p>
             <a:fld id="{61637585-35DB-42EE-A760-015D916FD519}" type="datetime1">
               <a:rPr lang="en-US" smtClean="0"/>
-              <a:t>7/29/2022</a:t>
+              <a:t>5/9/2023</a:t>
             </a:fld>
             <a:endParaRPr lang="en-US"/>
           </a:p>
@@ -2674,7 +2809,7 @@
           <a:p>
             <a:fld id="{195FB4F5-CE89-4C4B-AE39-FFA31EBADA61}" type="datetime1">
               <a:rPr lang="en-US" smtClean="0"/>
-              <a:t>7/29/2022</a:t>
+              <a:t>5/9/2023</a:t>
             </a:fld>
             <a:endParaRPr lang="en-US"/>
           </a:p>
@@ -2790,7 +2925,7 @@
           <a:p>
             <a:fld id="{1F109C31-ECDF-48E2-8901-7DBC2CB59639}" type="datetime1">
               <a:rPr lang="en-US" smtClean="0"/>
-              <a:t>7/29/2022</a:t>
+              <a:t>5/9/2023</a:t>
             </a:fld>
             <a:endParaRPr lang="en-US"/>
           </a:p>
@@ -3104,7 +3239,7 @@
           <a:p>
             <a:fld id="{218C2ACC-0094-48B2-9771-3412C0B07139}" type="datetime1">
               <a:rPr lang="en-US" smtClean="0"/>
-              <a:t>7/29/2022</a:t>
+              <a:t>5/9/2023</a:t>
             </a:fld>
             <a:endParaRPr lang="en-US"/>
           </a:p>
@@ -3395,7 +3530,7 @@
           <a:p>
             <a:fld id="{DFB6DE24-66D4-45C0-BD0B-1D87FE7B37E3}" type="datetime1">
               <a:rPr lang="en-US" smtClean="0"/>
-              <a:t>7/29/2022</a:t>
+              <a:t>5/9/2023</a:t>
             </a:fld>
             <a:endParaRPr lang="en-US"/>
           </a:p>
@@ -3639,7 +3774,7 @@
           <a:p>
             <a:fld id="{67E01CEA-1665-418C-8C69-CBED952C605F}" type="datetime1">
               <a:rPr lang="en-US" smtClean="0"/>
-              <a:t>7/29/2022</a:t>
+              <a:t>5/9/2023</a:t>
             </a:fld>
             <a:endParaRPr lang="en-US"/>
           </a:p>
@@ -4263,7 +4398,7 @@
           <a:p>
             <a:fld id="{8CB267DE-E348-4913-9D12-EDB2B30575C6}" type="datetime1">
               <a:rPr lang="en-US" smtClean="0"/>
-              <a:t>7/29/2022</a:t>
+              <a:t>5/9/2023</a:t>
             </a:fld>
             <a:endParaRPr lang="en-US"/>
           </a:p>
